--- a/Desktop Publishing & Presentation Graphics Applications/Applying Advanced Graphic Techniques and Inserting Audio and Video/Cross Oceans.pptx
+++ b/Desktop Publishing & Presentation Graphics Applications/Applying Advanced Graphic Techniques and Inserting Audio and Video/Cross Oceans.pptx
@@ -1,12 +1,15 @@
 
 <file path=ppt/presentation.xml><?xml version="1.0" encoding="utf-8"?>
-<p:presentation xmlns:a="http://schemas.openxmlformats.org/drawingml/2006/main" xmlns:r="http://schemas.openxmlformats.org/officeDocument/2006/relationships" xmlns:p="http://schemas.openxmlformats.org/presentationml/2006/main" saveSubsetFonts="1">
+<p:presentation xmlns:a="http://schemas.openxmlformats.org/drawingml/2006/main" xmlns:r="http://schemas.openxmlformats.org/officeDocument/2006/relationships" xmlns:p="http://schemas.openxmlformats.org/presentationml/2006/main" showSpecialPlsOnTitleSld="0" saveSubsetFonts="1">
   <p:sldMasterIdLst>
     <p:sldMasterId id="2147483648" r:id="rId1"/>
   </p:sldMasterIdLst>
   <p:notesMasterIdLst>
     <p:notesMasterId r:id="rId8"/>
   </p:notesMasterIdLst>
+  <p:handoutMasterIdLst>
+    <p:handoutMasterId r:id="rId9"/>
+  </p:handoutMasterIdLst>
   <p:sldIdLst>
     <p:sldId id="257" r:id="rId2"/>
     <p:sldId id="258" r:id="rId3"/>
@@ -123,7 +126,7 @@
 <file path=ppt/revisionInfo.xml><?xml version="1.0" encoding="utf-8"?>
 <p1510:revInfo xmlns:a="http://schemas.openxmlformats.org/drawingml/2006/main" xmlns:r="http://schemas.openxmlformats.org/officeDocument/2006/relationships" xmlns:p1510="http://schemas.microsoft.com/office/powerpoint/2015/10/main">
   <p1510:revLst>
-    <p1510:client id="{056C87B2-E962-4EC9-91E6-5588F1E633D0}" v="36" dt="2025-10-10T02:20:30.371"/>
+    <p1510:client id="{056C87B2-E962-4EC9-91E6-5588F1E633D0}" v="38" dt="2025-10-11T01:51:28.101"/>
   </p1510:revLst>
 </p1510:revInfo>
 </file>
@@ -304,6 +307,199 @@
 </pc:chgInfo>
 </file>
 
+<file path=ppt/handoutMasters/handoutMaster1.xml><?xml version="1.0" encoding="utf-8"?>
+<p:handoutMaster xmlns:a="http://schemas.openxmlformats.org/drawingml/2006/main" xmlns:r="http://schemas.openxmlformats.org/officeDocument/2006/relationships" xmlns:p="http://schemas.openxmlformats.org/presentationml/2006/main">
+  <p:cSld>
+    <p:bg>
+      <p:bgRef idx="1001">
+        <a:schemeClr val="bg1"/>
+      </p:bgRef>
+    </p:bg>
+    <p:spTree>
+      <p:nvGrpSpPr>
+        <p:cNvPr id="1" name=""/>
+        <p:cNvGrpSpPr/>
+        <p:nvPr/>
+      </p:nvGrpSpPr>
+      <p:grpSpPr>
+        <a:xfrm>
+          <a:off x="0" y="0"/>
+          <a:ext cx="0" cy="0"/>
+          <a:chOff x="0" y="0"/>
+          <a:chExt cx="0" cy="0"/>
+        </a:xfrm>
+      </p:grpSpPr>
+      <p:sp>
+        <p:nvSpPr>
+          <p:cNvPr id="2" name="Header Placeholder 1">
+            <a:extLst>
+              <a:ext uri="{FF2B5EF4-FFF2-40B4-BE49-F238E27FC236}">
+                <a16:creationId xmlns:a16="http://schemas.microsoft.com/office/drawing/2014/main" id="{42671309-22B3-DC74-5CF1-6A8AA158062C}"/>
+              </a:ext>
+            </a:extLst>
+          </p:cNvPr>
+          <p:cNvSpPr>
+            <a:spLocks noGrp="1"/>
+          </p:cNvSpPr>
+          <p:nvPr>
+            <p:ph type="hdr" sz="quarter"/>
+          </p:nvPr>
+        </p:nvSpPr>
+        <p:spPr>
+          <a:xfrm>
+            <a:off x="0" y="0"/>
+            <a:ext cx="2971800" cy="458788"/>
+          </a:xfrm>
+          <a:prstGeom prst="rect">
+            <a:avLst/>
+          </a:prstGeom>
+        </p:spPr>
+        <p:txBody>
+          <a:bodyPr vert="horz" lIns="91440" tIns="45720" rIns="91440" bIns="45720" rtlCol="0"/>
+          <a:lstStyle>
+            <a:lvl1pPr algn="l">
+              <a:defRPr sz="1200"/>
+            </a:lvl1pPr>
+          </a:lstStyle>
+          <a:p>
+            <a:endParaRPr lang="en-US"/>
+          </a:p>
+        </p:txBody>
+      </p:sp>
+      <p:sp>
+        <p:nvSpPr>
+          <p:cNvPr id="3" name="Date Placeholder 2">
+            <a:extLst>
+              <a:ext uri="{FF2B5EF4-FFF2-40B4-BE49-F238E27FC236}">
+                <a16:creationId xmlns:a16="http://schemas.microsoft.com/office/drawing/2014/main" id="{16A1C67D-AC8D-488E-0049-B9463C33922B}"/>
+              </a:ext>
+            </a:extLst>
+          </p:cNvPr>
+          <p:cNvSpPr>
+            <a:spLocks noGrp="1"/>
+          </p:cNvSpPr>
+          <p:nvPr>
+            <p:ph type="dt" sz="quarter" idx="1"/>
+          </p:nvPr>
+        </p:nvSpPr>
+        <p:spPr>
+          <a:xfrm>
+            <a:off x="3884613" y="0"/>
+            <a:ext cx="2971800" cy="458788"/>
+          </a:xfrm>
+          <a:prstGeom prst="rect">
+            <a:avLst/>
+          </a:prstGeom>
+        </p:spPr>
+        <p:txBody>
+          <a:bodyPr vert="horz" lIns="91440" tIns="45720" rIns="91440" bIns="45720" rtlCol="0"/>
+          <a:lstStyle>
+            <a:lvl1pPr algn="r">
+              <a:defRPr sz="1200"/>
+            </a:lvl1pPr>
+          </a:lstStyle>
+          <a:p>
+            <a:fld id="{E7F4FF00-44A4-4FEF-B2CB-2743A09D1C73}" type="datetime1">
+              <a:rPr lang="en-US" smtClean="0"/>
+              <a:t>10/10/2025</a:t>
+            </a:fld>
+            <a:endParaRPr lang="en-US"/>
+          </a:p>
+        </p:txBody>
+      </p:sp>
+      <p:sp>
+        <p:nvSpPr>
+          <p:cNvPr id="4" name="Footer Placeholder 3">
+            <a:extLst>
+              <a:ext uri="{FF2B5EF4-FFF2-40B4-BE49-F238E27FC236}">
+                <a16:creationId xmlns:a16="http://schemas.microsoft.com/office/drawing/2014/main" id="{ABCF4C02-5BB4-0C64-0717-54D8F280E28C}"/>
+              </a:ext>
+            </a:extLst>
+          </p:cNvPr>
+          <p:cNvSpPr>
+            <a:spLocks noGrp="1"/>
+          </p:cNvSpPr>
+          <p:nvPr>
+            <p:ph type="ftr" sz="quarter" idx="2"/>
+          </p:nvPr>
+        </p:nvSpPr>
+        <p:spPr>
+          <a:xfrm>
+            <a:off x="0" y="8685213"/>
+            <a:ext cx="2971800" cy="458787"/>
+          </a:xfrm>
+          <a:prstGeom prst="rect">
+            <a:avLst/>
+          </a:prstGeom>
+        </p:spPr>
+        <p:txBody>
+          <a:bodyPr vert="horz" lIns="91440" tIns="45720" rIns="91440" bIns="45720" rtlCol="0" anchor="b"/>
+          <a:lstStyle>
+            <a:lvl1pPr algn="l">
+              <a:defRPr sz="1200"/>
+            </a:lvl1pPr>
+          </a:lstStyle>
+          <a:p>
+            <a:r>
+              <a:rPr lang="en-US"/>
+              <a:t>Soumya Vajjhala Cross Oceans</a:t>
+            </a:r>
+          </a:p>
+        </p:txBody>
+      </p:sp>
+      <p:sp>
+        <p:nvSpPr>
+          <p:cNvPr id="5" name="Slide Number Placeholder 4">
+            <a:extLst>
+              <a:ext uri="{FF2B5EF4-FFF2-40B4-BE49-F238E27FC236}">
+                <a16:creationId xmlns:a16="http://schemas.microsoft.com/office/drawing/2014/main" id="{D86CC288-6B38-E25B-7EDB-5969BAB9C418}"/>
+              </a:ext>
+            </a:extLst>
+          </p:cNvPr>
+          <p:cNvSpPr>
+            <a:spLocks noGrp="1"/>
+          </p:cNvSpPr>
+          <p:nvPr>
+            <p:ph type="sldNum" sz="quarter" idx="3"/>
+          </p:nvPr>
+        </p:nvSpPr>
+        <p:spPr>
+          <a:xfrm>
+            <a:off x="3884613" y="8685213"/>
+            <a:ext cx="2971800" cy="458787"/>
+          </a:xfrm>
+          <a:prstGeom prst="rect">
+            <a:avLst/>
+          </a:prstGeom>
+        </p:spPr>
+        <p:txBody>
+          <a:bodyPr vert="horz" lIns="91440" tIns="45720" rIns="91440" bIns="45720" rtlCol="0" anchor="b"/>
+          <a:lstStyle>
+            <a:lvl1pPr algn="r">
+              <a:defRPr sz="1200"/>
+            </a:lvl1pPr>
+          </a:lstStyle>
+          <a:p>
+            <a:fld id="{7F6A2020-0389-48BE-8EA0-829FBEBFE73D}" type="slidenum">
+              <a:rPr lang="en-US" smtClean="0"/>
+              <a:t>‹#›</a:t>
+            </a:fld>
+            <a:endParaRPr lang="en-US"/>
+          </a:p>
+        </p:txBody>
+      </p:sp>
+    </p:spTree>
+    <p:extLst>
+      <p:ext uri="{BB962C8B-B14F-4D97-AF65-F5344CB8AC3E}">
+        <p14:creationId xmlns:p14="http://schemas.microsoft.com/office/powerpoint/2010/main" val="2851105189"/>
+      </p:ext>
+    </p:extLst>
+  </p:cSld>
+  <p:clrMap bg1="lt1" tx1="dk1" bg2="lt2" tx2="dk2" accent1="accent1" accent2="accent2" accent3="accent3" accent4="accent4" accent5="accent5" accent6="accent6" hlink="hlink" folHlink="folHlink"/>
+  <p:hf hdr="0"/>
+</p:handoutMaster>
+</file>
+
 <file path=ppt/notesMasters/notesMaster1.xml><?xml version="1.0" encoding="utf-8"?>
 <p:notesMaster xmlns:a="http://schemas.openxmlformats.org/drawingml/2006/main" xmlns:r="http://schemas.openxmlformats.org/officeDocument/2006/relationships" xmlns:p="http://schemas.openxmlformats.org/presentationml/2006/main">
   <p:cSld>
@@ -384,9 +580,9 @@
             </a:lvl1pPr>
           </a:lstStyle>
           <a:p>
-            <a:fld id="{EB8E6A34-89DC-4582-A660-352F3F193120}" type="datetimeFigureOut">
+            <a:fld id="{949BB565-9C12-45CD-BCD4-99258A7A3171}" type="datetime1">
               <a:rPr lang="en-US" smtClean="0"/>
-              <a:t>10/9/2025</a:t>
+              <a:t>10/10/2025</a:t>
             </a:fld>
             <a:endParaRPr lang="en-US"/>
           </a:p>
@@ -511,7 +707,10 @@
             </a:lvl1pPr>
           </a:lstStyle>
           <a:p>
-            <a:endParaRPr lang="en-US"/>
+            <a:r>
+              <a:rPr lang="en-US"/>
+              <a:t>Soumya Vajjhala Cross Oceans</a:t>
+            </a:r>
           </a:p>
         </p:txBody>
       </p:sp>
@@ -558,6 +757,7 @@
     </p:extLst>
   </p:cSld>
   <p:clrMap bg1="lt1" tx1="dk1" bg2="lt2" tx2="dk2" accent1="accent1" accent2="accent2" accent3="accent3" accent4="accent4" accent5="accent5" accent6="accent6" hlink="hlink" folHlink="folHlink"/>
+  <p:hf hdr="0"/>
   <p:notesStyle>
     <a:lvl1pPr marL="0" algn="l" defTabSz="914400" rtl="0" eaLnBrk="1" latinLnBrk="0" hangingPunct="1">
       <a:defRPr sz="1200" kern="1200">
@@ -729,6 +929,63 @@
           </a:p>
         </p:txBody>
       </p:sp>
+      <p:sp>
+        <p:nvSpPr>
+          <p:cNvPr id="5" name="Date Placeholder 4">
+            <a:extLst>
+              <a:ext uri="{FF2B5EF4-FFF2-40B4-BE49-F238E27FC236}">
+                <a16:creationId xmlns:a16="http://schemas.microsoft.com/office/drawing/2014/main" id="{A335ED26-3150-9917-6463-F16BDE24DB7D}"/>
+              </a:ext>
+            </a:extLst>
+          </p:cNvPr>
+          <p:cNvSpPr>
+            <a:spLocks noGrp="1"/>
+          </p:cNvSpPr>
+          <p:nvPr>
+            <p:ph type="dt" idx="1"/>
+          </p:nvPr>
+        </p:nvSpPr>
+        <p:spPr/>
+        <p:txBody>
+          <a:bodyPr/>
+          <a:lstStyle/>
+          <a:p>
+            <a:fld id="{4C789883-BA29-4DD6-93D9-BEB93EA6D77E}" type="datetime1">
+              <a:rPr lang="en-US" smtClean="0"/>
+              <a:t>10/10/2025</a:t>
+            </a:fld>
+            <a:endParaRPr lang="en-US"/>
+          </a:p>
+        </p:txBody>
+      </p:sp>
+      <p:sp>
+        <p:nvSpPr>
+          <p:cNvPr id="6" name="Footer Placeholder 5">
+            <a:extLst>
+              <a:ext uri="{FF2B5EF4-FFF2-40B4-BE49-F238E27FC236}">
+                <a16:creationId xmlns:a16="http://schemas.microsoft.com/office/drawing/2014/main" id="{59F90669-2CFE-55FA-65BC-6D4C6ED254E8}"/>
+              </a:ext>
+            </a:extLst>
+          </p:cNvPr>
+          <p:cNvSpPr>
+            <a:spLocks noGrp="1"/>
+          </p:cNvSpPr>
+          <p:nvPr>
+            <p:ph type="ftr" sz="quarter" idx="4"/>
+          </p:nvPr>
+        </p:nvSpPr>
+        <p:spPr/>
+        <p:txBody>
+          <a:bodyPr/>
+          <a:lstStyle/>
+          <a:p>
+            <a:r>
+              <a:rPr lang="en-US"/>
+              <a:t>Soumya Vajjhala Cross Oceans</a:t>
+            </a:r>
+          </a:p>
+        </p:txBody>
+      </p:sp>
     </p:spTree>
     <p:extLst>
       <p:ext uri="{BB962C8B-B14F-4D97-AF65-F5344CB8AC3E}">
@@ -818,6 +1075,63 @@
           </a:p>
         </p:txBody>
       </p:sp>
+      <p:sp>
+        <p:nvSpPr>
+          <p:cNvPr id="4" name="Date Placeholder 3">
+            <a:extLst>
+              <a:ext uri="{FF2B5EF4-FFF2-40B4-BE49-F238E27FC236}">
+                <a16:creationId xmlns:a16="http://schemas.microsoft.com/office/drawing/2014/main" id="{588A137F-A2CE-1F75-B0DC-B0519E8C27CA}"/>
+              </a:ext>
+            </a:extLst>
+          </p:cNvPr>
+          <p:cNvSpPr>
+            <a:spLocks noGrp="1"/>
+          </p:cNvSpPr>
+          <p:nvPr>
+            <p:ph type="dt" idx="1"/>
+          </p:nvPr>
+        </p:nvSpPr>
+        <p:spPr/>
+        <p:txBody>
+          <a:bodyPr/>
+          <a:lstStyle/>
+          <a:p>
+            <a:fld id="{CEDDE75B-B2B9-4BA6-A038-7752CB9933F6}" type="datetime1">
+              <a:rPr lang="en-US" smtClean="0"/>
+              <a:t>10/10/2025</a:t>
+            </a:fld>
+            <a:endParaRPr lang="en-US"/>
+          </a:p>
+        </p:txBody>
+      </p:sp>
+      <p:sp>
+        <p:nvSpPr>
+          <p:cNvPr id="5" name="Footer Placeholder 4">
+            <a:extLst>
+              <a:ext uri="{FF2B5EF4-FFF2-40B4-BE49-F238E27FC236}">
+                <a16:creationId xmlns:a16="http://schemas.microsoft.com/office/drawing/2014/main" id="{EC4AF0D2-1BE9-4D6C-2D60-0E1A1C035387}"/>
+              </a:ext>
+            </a:extLst>
+          </p:cNvPr>
+          <p:cNvSpPr>
+            <a:spLocks noGrp="1"/>
+          </p:cNvSpPr>
+          <p:nvPr>
+            <p:ph type="ftr" sz="quarter" idx="4"/>
+          </p:nvPr>
+        </p:nvSpPr>
+        <p:spPr/>
+        <p:txBody>
+          <a:bodyPr/>
+          <a:lstStyle/>
+          <a:p>
+            <a:r>
+              <a:rPr lang="en-US"/>
+              <a:t>Soumya Vajjhala Cross Oceans</a:t>
+            </a:r>
+          </a:p>
+        </p:txBody>
+      </p:sp>
     </p:spTree>
     <p:extLst>
       <p:ext uri="{BB962C8B-B14F-4D97-AF65-F5344CB8AC3E}">
@@ -902,6 +1216,63 @@
           </a:p>
         </p:txBody>
       </p:sp>
+      <p:sp>
+        <p:nvSpPr>
+          <p:cNvPr id="4" name="Date Placeholder 3">
+            <a:extLst>
+              <a:ext uri="{FF2B5EF4-FFF2-40B4-BE49-F238E27FC236}">
+                <a16:creationId xmlns:a16="http://schemas.microsoft.com/office/drawing/2014/main" id="{C3B4DB6A-369F-D108-0F69-BA5CCCB0E3DE}"/>
+              </a:ext>
+            </a:extLst>
+          </p:cNvPr>
+          <p:cNvSpPr>
+            <a:spLocks noGrp="1"/>
+          </p:cNvSpPr>
+          <p:nvPr>
+            <p:ph type="dt" idx="1"/>
+          </p:nvPr>
+        </p:nvSpPr>
+        <p:spPr/>
+        <p:txBody>
+          <a:bodyPr/>
+          <a:lstStyle/>
+          <a:p>
+            <a:fld id="{1E8557D8-3D48-4ABC-B166-CB749DC092FD}" type="datetime1">
+              <a:rPr lang="en-US" smtClean="0"/>
+              <a:t>10/10/2025</a:t>
+            </a:fld>
+            <a:endParaRPr lang="en-US"/>
+          </a:p>
+        </p:txBody>
+      </p:sp>
+      <p:sp>
+        <p:nvSpPr>
+          <p:cNvPr id="5" name="Footer Placeholder 4">
+            <a:extLst>
+              <a:ext uri="{FF2B5EF4-FFF2-40B4-BE49-F238E27FC236}">
+                <a16:creationId xmlns:a16="http://schemas.microsoft.com/office/drawing/2014/main" id="{6BA12F3C-462B-CFA8-85CF-777BFFF9908F}"/>
+              </a:ext>
+            </a:extLst>
+          </p:cNvPr>
+          <p:cNvSpPr>
+            <a:spLocks noGrp="1"/>
+          </p:cNvSpPr>
+          <p:nvPr>
+            <p:ph type="ftr" sz="quarter" idx="4"/>
+          </p:nvPr>
+        </p:nvSpPr>
+        <p:spPr/>
+        <p:txBody>
+          <a:bodyPr/>
+          <a:lstStyle/>
+          <a:p>
+            <a:r>
+              <a:rPr lang="en-US"/>
+              <a:t>Soumya Vajjhala Cross Oceans</a:t>
+            </a:r>
+          </a:p>
+        </p:txBody>
+      </p:sp>
     </p:spTree>
     <p:extLst>
       <p:ext uri="{BB962C8B-B14F-4D97-AF65-F5344CB8AC3E}">
@@ -988,6 +1359,63 @@
               <a:t>6</a:t>
             </a:fld>
             <a:endParaRPr lang="en-US" dirty="0"/>
+          </a:p>
+        </p:txBody>
+      </p:sp>
+      <p:sp>
+        <p:nvSpPr>
+          <p:cNvPr id="4" name="Date Placeholder 3">
+            <a:extLst>
+              <a:ext uri="{FF2B5EF4-FFF2-40B4-BE49-F238E27FC236}">
+                <a16:creationId xmlns:a16="http://schemas.microsoft.com/office/drawing/2014/main" id="{7957D483-FCCE-D28A-8676-151EBD238FC0}"/>
+              </a:ext>
+            </a:extLst>
+          </p:cNvPr>
+          <p:cNvSpPr>
+            <a:spLocks noGrp="1"/>
+          </p:cNvSpPr>
+          <p:nvPr>
+            <p:ph type="dt" idx="1"/>
+          </p:nvPr>
+        </p:nvSpPr>
+        <p:spPr/>
+        <p:txBody>
+          <a:bodyPr/>
+          <a:lstStyle/>
+          <a:p>
+            <a:fld id="{2DF52E15-2C3D-4000-9443-F1C28E623DEA}" type="datetime1">
+              <a:rPr lang="en-US" smtClean="0"/>
+              <a:t>10/10/2025</a:t>
+            </a:fld>
+            <a:endParaRPr lang="en-US"/>
+          </a:p>
+        </p:txBody>
+      </p:sp>
+      <p:sp>
+        <p:nvSpPr>
+          <p:cNvPr id="5" name="Footer Placeholder 4">
+            <a:extLst>
+              <a:ext uri="{FF2B5EF4-FFF2-40B4-BE49-F238E27FC236}">
+                <a16:creationId xmlns:a16="http://schemas.microsoft.com/office/drawing/2014/main" id="{58AE1893-98E7-EDC9-2C9C-0F4EC0383954}"/>
+              </a:ext>
+            </a:extLst>
+          </p:cNvPr>
+          <p:cNvSpPr>
+            <a:spLocks noGrp="1"/>
+          </p:cNvSpPr>
+          <p:nvPr>
+            <p:ph type="ftr" sz="quarter" idx="4"/>
+          </p:nvPr>
+        </p:nvSpPr>
+        <p:spPr/>
+        <p:txBody>
+          <a:bodyPr/>
+          <a:lstStyle/>
+          <a:p>
+            <a:r>
+              <a:rPr lang="en-US"/>
+              <a:t>Soumya Vajjhala Cross Oceans</a:t>
+            </a:r>
           </a:p>
         </p:txBody>
       </p:sp>
@@ -1131,9 +1559,9 @@
           <a:bodyPr/>
           <a:lstStyle/>
           <a:p>
-            <a:fld id="{BB09B043-00DD-4C55-983D-9FC9F7858F35}" type="datetime1">
+            <a:fld id="{7DC561EC-D303-4F0A-BFB4-D06DE4D37A7E}" type="datetime1">
               <a:rPr lang="en-US" smtClean="0"/>
-              <a:t>10/9/2025</a:t>
+              <a:t>10/10/2025</a:t>
             </a:fld>
             <a:endParaRPr lang="en-US"/>
           </a:p>
@@ -1302,9 +1730,9 @@
           <a:bodyPr/>
           <a:lstStyle/>
           <a:p>
-            <a:fld id="{B52B27C0-5642-4A4A-89D0-A1243CD71B9B}" type="datetime1">
+            <a:fld id="{72F4B7F0-51D4-4742-8429-E84EB244ACF6}" type="datetime1">
               <a:rPr lang="en-US" smtClean="0"/>
-              <a:t>10/9/2025</a:t>
+              <a:t>10/10/2025</a:t>
             </a:fld>
             <a:endParaRPr lang="en-US"/>
           </a:p>
@@ -1483,9 +1911,9 @@
           <a:bodyPr/>
           <a:lstStyle/>
           <a:p>
-            <a:fld id="{389A5490-0C80-45A6-8707-68F2426E639B}" type="datetime1">
+            <a:fld id="{6F461560-6FA1-4972-A113-A1993C51F3DF}" type="datetime1">
               <a:rPr lang="en-US" smtClean="0"/>
-              <a:t>10/9/2025</a:t>
+              <a:t>10/10/2025</a:t>
             </a:fld>
             <a:endParaRPr lang="en-US"/>
           </a:p>
@@ -1654,9 +2082,9 @@
           <a:bodyPr/>
           <a:lstStyle/>
           <a:p>
-            <a:fld id="{AE6B162E-569F-4C57-A434-EFFEDA2B9F72}" type="datetime1">
+            <a:fld id="{68AF8043-22A9-48C0-8BC3-94CDA3CE1C57}" type="datetime1">
               <a:rPr lang="en-US" smtClean="0"/>
-              <a:t>10/9/2025</a:t>
+              <a:t>10/10/2025</a:t>
             </a:fld>
             <a:endParaRPr lang="en-US"/>
           </a:p>
@@ -1902,9 +2330,9 @@
           <a:bodyPr/>
           <a:lstStyle/>
           <a:p>
-            <a:fld id="{6C619133-21A8-4460-B200-05BBB9EB6020}" type="datetime1">
+            <a:fld id="{C2C2715F-9A82-40C0-8067-B26FE4CF40D1}" type="datetime1">
               <a:rPr lang="en-US" smtClean="0"/>
-              <a:t>10/9/2025</a:t>
+              <a:t>10/10/2025</a:t>
             </a:fld>
             <a:endParaRPr lang="en-US"/>
           </a:p>
@@ -2134,9 +2562,9 @@
           <a:bodyPr/>
           <a:lstStyle/>
           <a:p>
-            <a:fld id="{DC3F9BDE-E166-434E-BF1F-D99676B8651B}" type="datetime1">
+            <a:fld id="{2608D836-71C6-4DEA-BDB2-E3E656D7406A}" type="datetime1">
               <a:rPr lang="en-US" smtClean="0"/>
-              <a:t>10/9/2025</a:t>
+              <a:t>10/10/2025</a:t>
             </a:fld>
             <a:endParaRPr lang="en-US"/>
           </a:p>
@@ -2501,9 +2929,9 @@
           <a:bodyPr/>
           <a:lstStyle/>
           <a:p>
-            <a:fld id="{9421C7CF-AB32-43EB-8D91-2EF70A1EE566}" type="datetime1">
+            <a:fld id="{9A49D892-05D7-448A-AE47-6070B695572D}" type="datetime1">
               <a:rPr lang="en-US" smtClean="0"/>
-              <a:t>10/9/2025</a:t>
+              <a:t>10/10/2025</a:t>
             </a:fld>
             <a:endParaRPr lang="en-US"/>
           </a:p>
@@ -2621,9 +3049,9 @@
           <a:bodyPr/>
           <a:lstStyle/>
           <a:p>
-            <a:fld id="{EDE7B017-861A-4973-83DE-A4DDCC6B9C12}" type="datetime1">
+            <a:fld id="{363F5643-0C5B-4657-8C13-10537E7F91C4}" type="datetime1">
               <a:rPr lang="en-US" smtClean="0"/>
-              <a:t>10/9/2025</a:t>
+              <a:t>10/10/2025</a:t>
             </a:fld>
             <a:endParaRPr lang="en-US"/>
           </a:p>
@@ -2719,9 +3147,9 @@
           <a:bodyPr/>
           <a:lstStyle/>
           <a:p>
-            <a:fld id="{A60C072F-2A1C-41C3-A079-8B80993B0611}" type="datetime1">
+            <a:fld id="{12BBDBE4-8A56-410A-A46E-C68682C6E0F3}" type="datetime1">
               <a:rPr lang="en-US" smtClean="0"/>
-              <a:t>10/9/2025</a:t>
+              <a:t>10/10/2025</a:t>
             </a:fld>
             <a:endParaRPr lang="en-US"/>
           </a:p>
@@ -2997,9 +3425,9 @@
           <a:bodyPr/>
           <a:lstStyle/>
           <a:p>
-            <a:fld id="{C35C9756-D191-4CE1-9EDF-4C24EE70D50A}" type="datetime1">
+            <a:fld id="{0DCCEAE5-50A2-4434-95D7-5DF73CBC9DF5}" type="datetime1">
               <a:rPr lang="en-US" smtClean="0"/>
-              <a:t>10/9/2025</a:t>
+              <a:t>10/10/2025</a:t>
             </a:fld>
             <a:endParaRPr lang="en-US"/>
           </a:p>
@@ -3252,9 +3680,9 @@
           <a:bodyPr/>
           <a:lstStyle/>
           <a:p>
-            <a:fld id="{6C844446-C43B-45A4-9829-F0A55259E515}" type="datetime1">
+            <a:fld id="{C5B7679D-7461-4758-A965-2757ED3FF33D}" type="datetime1">
               <a:rPr lang="en-US" smtClean="0"/>
-              <a:t>10/9/2025</a:t>
+              <a:t>10/10/2025</a:t>
             </a:fld>
             <a:endParaRPr lang="en-US"/>
           </a:p>
@@ -3466,9 +3894,9 @@
             </a:lvl1pPr>
           </a:lstStyle>
           <a:p>
-            <a:fld id="{9ABBD53D-5F46-4C37-9DF2-468749A74730}" type="datetime1">
+            <a:fld id="{A3A3EF86-2936-4C25-B7D9-C6A11127FC82}" type="datetime1">
               <a:rPr lang="en-US" smtClean="0"/>
-              <a:t>10/9/2025</a:t>
+              <a:t>10/10/2025</a:t>
             </a:fld>
             <a:endParaRPr lang="en-US"/>
           </a:p>
@@ -4326,63 +4754,6 @@
           </a:prstGeom>
         </p:spPr>
       </p:pic>
-      <p:sp>
-        <p:nvSpPr>
-          <p:cNvPr id="3" name="Date Placeholder 2">
-            <a:extLst>
-              <a:ext uri="{FF2B5EF4-FFF2-40B4-BE49-F238E27FC236}">
-                <a16:creationId xmlns:a16="http://schemas.microsoft.com/office/drawing/2014/main" id="{F85C23AE-147D-5D2E-430B-6A67D9B9295D}"/>
-              </a:ext>
-            </a:extLst>
-          </p:cNvPr>
-          <p:cNvSpPr>
-            <a:spLocks noGrp="1"/>
-          </p:cNvSpPr>
-          <p:nvPr>
-            <p:ph type="dt" sz="half" idx="10"/>
-          </p:nvPr>
-        </p:nvSpPr>
-        <p:spPr/>
-        <p:txBody>
-          <a:bodyPr/>
-          <a:lstStyle/>
-          <a:p>
-            <a:fld id="{868C3044-5273-408F-BEEA-620DED468FE1}" type="datetime1">
-              <a:rPr lang="en-US" smtClean="0"/>
-              <a:t>10/9/2025</a:t>
-            </a:fld>
-            <a:endParaRPr lang="en-US"/>
-          </a:p>
-        </p:txBody>
-      </p:sp>
-      <p:sp>
-        <p:nvSpPr>
-          <p:cNvPr id="4" name="Footer Placeholder 3">
-            <a:extLst>
-              <a:ext uri="{FF2B5EF4-FFF2-40B4-BE49-F238E27FC236}">
-                <a16:creationId xmlns:a16="http://schemas.microsoft.com/office/drawing/2014/main" id="{0F6DFD99-1ADF-1DDD-3EE6-67F2FE425E06}"/>
-              </a:ext>
-            </a:extLst>
-          </p:cNvPr>
-          <p:cNvSpPr>
-            <a:spLocks noGrp="1"/>
-          </p:cNvSpPr>
-          <p:nvPr>
-            <p:ph type="ftr" sz="quarter" idx="11"/>
-          </p:nvPr>
-        </p:nvSpPr>
-        <p:spPr/>
-        <p:txBody>
-          <a:bodyPr/>
-          <a:lstStyle/>
-          <a:p>
-            <a:r>
-              <a:rPr lang="en-US"/>
-              <a:t>Soumya Vajjhala Cross Oceans</a:t>
-            </a:r>
-          </a:p>
-        </p:txBody>
-      </p:sp>
     </p:spTree>
     <p:extLst>
       <p:ext uri="{BB962C8B-B14F-4D97-AF65-F5344CB8AC3E}">
@@ -5092,9 +5463,9 @@
           <a:bodyPr/>
           <a:lstStyle/>
           <a:p>
-            <a:fld id="{A0E7D84B-4377-4981-8FE3-F40D64A72189}" type="datetime1">
+            <a:fld id="{460E0CBE-214B-431F-A990-375960C60D60}" type="datetime1">
               <a:rPr lang="en-US" smtClean="0"/>
-              <a:t>10/9/2025</a:t>
+              <a:t>10/10/2025</a:t>
             </a:fld>
             <a:endParaRPr lang="en-US"/>
           </a:p>
@@ -5608,9 +5979,9 @@
           <a:bodyPr/>
           <a:lstStyle/>
           <a:p>
-            <a:fld id="{E7350C95-01DB-4B24-9E10-53F6F70FD60B}" type="datetime1">
+            <a:fld id="{29B91AAF-9D79-4DD3-BB32-8D0C2FE3A66D}" type="datetime1">
               <a:rPr lang="en-US" smtClean="0"/>
-              <a:t>10/9/2025</a:t>
+              <a:t>10/10/2025</a:t>
             </a:fld>
             <a:endParaRPr lang="en-US"/>
           </a:p>
@@ -6387,9 +6758,9 @@
           <a:bodyPr/>
           <a:lstStyle/>
           <a:p>
-            <a:fld id="{FDEFBBA4-97ED-47E4-9D21-2FFA36A37FCD}" type="datetime1">
+            <a:fld id="{7D915622-941F-4193-8DC5-C322932AB8C7}" type="datetime1">
               <a:rPr lang="en-US" smtClean="0"/>
-              <a:t>10/9/2025</a:t>
+              <a:t>10/10/2025</a:t>
             </a:fld>
             <a:endParaRPr lang="en-US"/>
           </a:p>
@@ -7109,9 +7480,9 @@
           <a:bodyPr/>
           <a:lstStyle/>
           <a:p>
-            <a:fld id="{810C9328-99AA-450E-926A-A5D95F7C79A1}" type="datetime1">
+            <a:fld id="{FB1356CB-F2C1-4A90-BA93-E53196E04EF2}" type="datetime1">
               <a:rPr lang="en-US" smtClean="0"/>
-              <a:t>10/9/2025</a:t>
+              <a:t>10/10/2025</a:t>
             </a:fld>
             <a:endParaRPr lang="en-US"/>
           </a:p>
@@ -7686,9 +8057,9 @@
           <a:bodyPr/>
           <a:lstStyle/>
           <a:p>
-            <a:fld id="{602CDBA8-F545-4D70-A528-A9A5847F6188}" type="datetime1">
+            <a:fld id="{D984A9FF-5AB2-49FA-A216-FAD0AC9480EC}" type="datetime1">
               <a:rPr lang="en-US" smtClean="0"/>
-              <a:t>10/9/2025</a:t>
+              <a:t>10/10/2025</a:t>
             </a:fld>
             <a:endParaRPr lang="en-US"/>
           </a:p>
@@ -8370,4 +8741,319 @@
     </a:ext>
   </a:extLst>
 </a:theme>
+</file>
+
+<file path=ppt/theme/theme3.xml><?xml version="1.0" encoding="utf-8"?>
+<a:theme xmlns:a="http://schemas.openxmlformats.org/drawingml/2006/main" name="Office Theme">
+  <a:themeElements>
+    <a:clrScheme name="Office">
+      <a:dk1>
+        <a:sysClr val="windowText" lastClr="000000"/>
+      </a:dk1>
+      <a:lt1>
+        <a:sysClr val="window" lastClr="FFFFFF"/>
+      </a:lt1>
+      <a:dk2>
+        <a:srgbClr val="0E2841"/>
+      </a:dk2>
+      <a:lt2>
+        <a:srgbClr val="E8E8E8"/>
+      </a:lt2>
+      <a:accent1>
+        <a:srgbClr val="156082"/>
+      </a:accent1>
+      <a:accent2>
+        <a:srgbClr val="E97132"/>
+      </a:accent2>
+      <a:accent3>
+        <a:srgbClr val="196B24"/>
+      </a:accent3>
+      <a:accent4>
+        <a:srgbClr val="0F9ED5"/>
+      </a:accent4>
+      <a:accent5>
+        <a:srgbClr val="A02B93"/>
+      </a:accent5>
+      <a:accent6>
+        <a:srgbClr val="4EA72E"/>
+      </a:accent6>
+      <a:hlink>
+        <a:srgbClr val="467886"/>
+      </a:hlink>
+      <a:folHlink>
+        <a:srgbClr val="96607D"/>
+      </a:folHlink>
+    </a:clrScheme>
+    <a:fontScheme name="Office">
+      <a:majorFont>
+        <a:latin typeface="Aptos Display" panose="02110004020202020204"/>
+        <a:ea typeface=""/>
+        <a:cs typeface=""/>
+        <a:font script="Jpan" typeface="游ゴシック Light"/>
+        <a:font script="Hang" typeface="맑은 고딕"/>
+        <a:font script="Hans" typeface="等线 Light"/>
+        <a:font script="Hant" typeface="新細明體"/>
+        <a:font script="Arab" typeface="Times New Roman"/>
+        <a:font script="Hebr" typeface="Times New Roman"/>
+        <a:font script="Thai" typeface="Angsana New"/>
+        <a:font script="Ethi" typeface="Nyala"/>
+        <a:font script="Beng" typeface="Vrinda"/>
+        <a:font script="Gujr" typeface="Shruti"/>
+        <a:font script="Khmr" typeface="MoolBoran"/>
+        <a:font script="Knda" typeface="Tunga"/>
+        <a:font script="Guru" typeface="Raavi"/>
+        <a:font script="Cans" typeface="Euphemia"/>
+        <a:font script="Cher" typeface="Plantagenet Cherokee"/>
+        <a:font script="Yiii" typeface="Microsoft Yi Baiti"/>
+        <a:font script="Tibt" typeface="Microsoft Himalaya"/>
+        <a:font script="Thaa" typeface="MV Boli"/>
+        <a:font script="Deva" typeface="Mangal"/>
+        <a:font script="Telu" typeface="Gautami"/>
+        <a:font script="Taml" typeface="Latha"/>
+        <a:font script="Syrc" typeface="Estrangelo Edessa"/>
+        <a:font script="Orya" typeface="Kalinga"/>
+        <a:font script="Mlym" typeface="Kartika"/>
+        <a:font script="Laoo" typeface="DokChampa"/>
+        <a:font script="Sinh" typeface="Iskoola Pota"/>
+        <a:font script="Mong" typeface="Mongolian Baiti"/>
+        <a:font script="Viet" typeface="Times New Roman"/>
+        <a:font script="Uigh" typeface="Microsoft Uighur"/>
+        <a:font script="Geor" typeface="Sylfaen"/>
+        <a:font script="Armn" typeface="Arial"/>
+        <a:font script="Bugi" typeface="Leelawadee UI"/>
+        <a:font script="Bopo" typeface="Microsoft JhengHei"/>
+        <a:font script="Java" typeface="Javanese Text"/>
+        <a:font script="Lisu" typeface="Segoe UI"/>
+        <a:font script="Mymr" typeface="Myanmar Text"/>
+        <a:font script="Nkoo" typeface="Ebrima"/>
+        <a:font script="Olck" typeface="Nirmala UI"/>
+        <a:font script="Osma" typeface="Ebrima"/>
+        <a:font script="Phag" typeface="Phagspa"/>
+        <a:font script="Syrn" typeface="Estrangelo Edessa"/>
+        <a:font script="Syrj" typeface="Estrangelo Edessa"/>
+        <a:font script="Syre" typeface="Estrangelo Edessa"/>
+        <a:font script="Sora" typeface="Nirmala UI"/>
+        <a:font script="Tale" typeface="Microsoft Tai Le"/>
+        <a:font script="Talu" typeface="Microsoft New Tai Lue"/>
+        <a:font script="Tfng" typeface="Ebrima"/>
+      </a:majorFont>
+      <a:minorFont>
+        <a:latin typeface="Aptos" panose="02110004020202020204"/>
+        <a:ea typeface=""/>
+        <a:cs typeface=""/>
+        <a:font script="Jpan" typeface="游ゴシック"/>
+        <a:font script="Hang" typeface="맑은 고딕"/>
+        <a:font script="Hans" typeface="等线"/>
+        <a:font script="Hant" typeface="新細明體"/>
+        <a:font script="Arab" typeface="Arial"/>
+        <a:font script="Hebr" typeface="Arial"/>
+        <a:font script="Thai" typeface="Cordia New"/>
+        <a:font script="Ethi" typeface="Nyala"/>
+        <a:font script="Beng" typeface="Vrinda"/>
+        <a:font script="Gujr" typeface="Shruti"/>
+        <a:font script="Khmr" typeface="DaunPenh"/>
+        <a:font script="Knda" typeface="Tunga"/>
+        <a:font script="Guru" typeface="Raavi"/>
+        <a:font script="Cans" typeface="Euphemia"/>
+        <a:font script="Cher" typeface="Plantagenet Cherokee"/>
+        <a:font script="Yiii" typeface="Microsoft Yi Baiti"/>
+        <a:font script="Tibt" typeface="Microsoft Himalaya"/>
+        <a:font script="Thaa" typeface="MV Boli"/>
+        <a:font script="Deva" typeface="Mangal"/>
+        <a:font script="Telu" typeface="Gautami"/>
+        <a:font script="Taml" typeface="Latha"/>
+        <a:font script="Syrc" typeface="Estrangelo Edessa"/>
+        <a:font script="Orya" typeface="Kalinga"/>
+        <a:font script="Mlym" typeface="Kartika"/>
+        <a:font script="Laoo" typeface="DokChampa"/>
+        <a:font script="Sinh" typeface="Iskoola Pota"/>
+        <a:font script="Mong" typeface="Mongolian Baiti"/>
+        <a:font script="Viet" typeface="Arial"/>
+        <a:font script="Uigh" typeface="Microsoft Uighur"/>
+        <a:font script="Geor" typeface="Sylfaen"/>
+        <a:font script="Armn" typeface="Arial"/>
+        <a:font script="Bugi" typeface="Leelawadee UI"/>
+        <a:font script="Bopo" typeface="Microsoft JhengHei"/>
+        <a:font script="Java" typeface="Javanese Text"/>
+        <a:font script="Lisu" typeface="Segoe UI"/>
+        <a:font script="Mymr" typeface="Myanmar Text"/>
+        <a:font script="Nkoo" typeface="Ebrima"/>
+        <a:font script="Olck" typeface="Nirmala UI"/>
+        <a:font script="Osma" typeface="Ebrima"/>
+        <a:font script="Phag" typeface="Phagspa"/>
+        <a:font script="Syrn" typeface="Estrangelo Edessa"/>
+        <a:font script="Syrj" typeface="Estrangelo Edessa"/>
+        <a:font script="Syre" typeface="Estrangelo Edessa"/>
+        <a:font script="Sora" typeface="Nirmala UI"/>
+        <a:font script="Tale" typeface="Microsoft Tai Le"/>
+        <a:font script="Talu" typeface="Microsoft New Tai Lue"/>
+        <a:font script="Tfng" typeface="Ebrima"/>
+      </a:minorFont>
+    </a:fontScheme>
+    <a:fmtScheme name="Office">
+      <a:fillStyleLst>
+        <a:solidFill>
+          <a:schemeClr val="phClr"/>
+        </a:solidFill>
+        <a:gradFill rotWithShape="1">
+          <a:gsLst>
+            <a:gs pos="0">
+              <a:schemeClr val="phClr">
+                <a:lumMod val="110000"/>
+                <a:satMod val="105000"/>
+                <a:tint val="67000"/>
+              </a:schemeClr>
+            </a:gs>
+            <a:gs pos="50000">
+              <a:schemeClr val="phClr">
+                <a:lumMod val="105000"/>
+                <a:satMod val="103000"/>
+                <a:tint val="73000"/>
+              </a:schemeClr>
+            </a:gs>
+            <a:gs pos="100000">
+              <a:schemeClr val="phClr">
+                <a:lumMod val="105000"/>
+                <a:satMod val="109000"/>
+                <a:tint val="81000"/>
+              </a:schemeClr>
+            </a:gs>
+          </a:gsLst>
+          <a:lin ang="5400000" scaled="0"/>
+        </a:gradFill>
+        <a:gradFill rotWithShape="1">
+          <a:gsLst>
+            <a:gs pos="0">
+              <a:schemeClr val="phClr">
+                <a:satMod val="103000"/>
+                <a:lumMod val="102000"/>
+                <a:tint val="94000"/>
+              </a:schemeClr>
+            </a:gs>
+            <a:gs pos="50000">
+              <a:schemeClr val="phClr">
+                <a:satMod val="110000"/>
+                <a:lumMod val="100000"/>
+                <a:shade val="100000"/>
+              </a:schemeClr>
+            </a:gs>
+            <a:gs pos="100000">
+              <a:schemeClr val="phClr">
+                <a:lumMod val="99000"/>
+                <a:satMod val="120000"/>
+                <a:shade val="78000"/>
+              </a:schemeClr>
+            </a:gs>
+          </a:gsLst>
+          <a:lin ang="5400000" scaled="0"/>
+        </a:gradFill>
+      </a:fillStyleLst>
+      <a:lnStyleLst>
+        <a:ln w="12700" cap="flat" cmpd="sng" algn="ctr">
+          <a:solidFill>
+            <a:schemeClr val="phClr"/>
+          </a:solidFill>
+          <a:prstDash val="solid"/>
+          <a:miter lim="800000"/>
+        </a:ln>
+        <a:ln w="19050" cap="flat" cmpd="sng" algn="ctr">
+          <a:solidFill>
+            <a:schemeClr val="phClr"/>
+          </a:solidFill>
+          <a:prstDash val="solid"/>
+          <a:miter lim="800000"/>
+        </a:ln>
+        <a:ln w="25400" cap="flat" cmpd="sng" algn="ctr">
+          <a:solidFill>
+            <a:schemeClr val="phClr"/>
+          </a:solidFill>
+          <a:prstDash val="solid"/>
+          <a:miter lim="800000"/>
+        </a:ln>
+      </a:lnStyleLst>
+      <a:effectStyleLst>
+        <a:effectStyle>
+          <a:effectLst/>
+        </a:effectStyle>
+        <a:effectStyle>
+          <a:effectLst/>
+        </a:effectStyle>
+        <a:effectStyle>
+          <a:effectLst>
+            <a:outerShdw blurRad="57150" dist="19050" dir="5400000" algn="ctr" rotWithShape="0">
+              <a:srgbClr val="000000">
+                <a:alpha val="63000"/>
+              </a:srgbClr>
+            </a:outerShdw>
+          </a:effectLst>
+        </a:effectStyle>
+      </a:effectStyleLst>
+      <a:bgFillStyleLst>
+        <a:solidFill>
+          <a:schemeClr val="phClr"/>
+        </a:solidFill>
+        <a:solidFill>
+          <a:schemeClr val="phClr">
+            <a:tint val="95000"/>
+            <a:satMod val="170000"/>
+          </a:schemeClr>
+        </a:solidFill>
+        <a:gradFill rotWithShape="1">
+          <a:gsLst>
+            <a:gs pos="0">
+              <a:schemeClr val="phClr">
+                <a:tint val="93000"/>
+                <a:satMod val="150000"/>
+                <a:shade val="98000"/>
+                <a:lumMod val="102000"/>
+              </a:schemeClr>
+            </a:gs>
+            <a:gs pos="50000">
+              <a:schemeClr val="phClr">
+                <a:tint val="98000"/>
+                <a:satMod val="130000"/>
+                <a:shade val="90000"/>
+                <a:lumMod val="103000"/>
+              </a:schemeClr>
+            </a:gs>
+            <a:gs pos="100000">
+              <a:schemeClr val="phClr">
+                <a:shade val="63000"/>
+                <a:satMod val="120000"/>
+              </a:schemeClr>
+            </a:gs>
+          </a:gsLst>
+          <a:lin ang="5400000" scaled="0"/>
+        </a:gradFill>
+      </a:bgFillStyleLst>
+    </a:fmtScheme>
+  </a:themeElements>
+  <a:objectDefaults>
+    <a:lnDef>
+      <a:spPr/>
+      <a:bodyPr/>
+      <a:lstStyle/>
+      <a:style>
+        <a:lnRef idx="2">
+          <a:schemeClr val="accent1"/>
+        </a:lnRef>
+        <a:fillRef idx="0">
+          <a:schemeClr val="accent1"/>
+        </a:fillRef>
+        <a:effectRef idx="1">
+          <a:schemeClr val="accent1"/>
+        </a:effectRef>
+        <a:fontRef idx="minor">
+          <a:schemeClr val="tx1"/>
+        </a:fontRef>
+      </a:style>
+    </a:lnDef>
+  </a:objectDefaults>
+  <a:extraClrSchemeLst/>
+  <a:extLst>
+    <a:ext uri="{05A4C25C-085E-4340-85A3-A5531E510DB2}">
+      <thm15:themeFamily xmlns:thm15="http://schemas.microsoft.com/office/thememl/2012/main" name="Office Theme" id="{2E142A2C-CD16-42D6-873A-C26D2A0506FA}" vid="{1BDDFF52-6CD6-40A5-AB3C-68EB2F1E4D0A}"/>
+    </a:ext>
+  </a:extLst>
+</a:theme>
 </file>